--- a/Deliverable 2/epic sam project deliverable 2.pptx
+++ b/Deliverable 2/epic sam project deliverable 2.pptx
@@ -11081,7 +11081,7 @@
             <a:tbl>
               <a:tblPr>
                 <a:noFill/>
-                <a:tableStyleId>{D50745C1-A4FA-4CF7-A7A0-0308623EE1A5}</a:tableStyleId>
+                <a:tableStyleId>{92FCD406-63B0-4719-8C43-2216A3784EA9}</a:tableStyleId>
               </a:tblPr>
               <a:tblGrid>
                 <a:gridCol w="1809750"/>
@@ -11736,7 +11736,7 @@
             <a:tbl>
               <a:tblPr>
                 <a:noFill/>
-                <a:tableStyleId>{D50745C1-A4FA-4CF7-A7A0-0308623EE1A5}</a:tableStyleId>
+                <a:tableStyleId>{92FCD406-63B0-4719-8C43-2216A3784EA9}</a:tableStyleId>
               </a:tblPr>
               <a:tblGrid>
                 <a:gridCol w="1809750"/>
@@ -12433,7 +12433,7 @@
             <a:tbl>
               <a:tblPr>
                 <a:noFill/>
-                <a:tableStyleId>{D50745C1-A4FA-4CF7-A7A0-0308623EE1A5}</a:tableStyleId>
+                <a:tableStyleId>{92FCD406-63B0-4719-8C43-2216A3784EA9}</a:tableStyleId>
               </a:tblPr>
               <a:tblGrid>
                 <a:gridCol w="1809750"/>
@@ -13089,7 +13089,7 @@
             <a:tbl>
               <a:tblPr>
                 <a:noFill/>
-                <a:tableStyleId>{D50745C1-A4FA-4CF7-A7A0-0308623EE1A5}</a:tableStyleId>
+                <a:tableStyleId>{92FCD406-63B0-4719-8C43-2216A3784EA9}</a:tableStyleId>
               </a:tblPr>
               <a:tblGrid>
                 <a:gridCol w="1809750"/>
@@ -13906,7 +13906,7 @@
             <a:tbl>
               <a:tblPr>
                 <a:noFill/>
-                <a:tableStyleId>{D50745C1-A4FA-4CF7-A7A0-0308623EE1A5}</a:tableStyleId>
+                <a:tableStyleId>{92FCD406-63B0-4719-8C43-2216A3784EA9}</a:tableStyleId>
               </a:tblPr>
               <a:tblGrid>
                 <a:gridCol w="1809750"/>
@@ -15123,7 +15123,7 @@
             <a:tbl>
               <a:tblPr>
                 <a:noFill/>
-                <a:tableStyleId>{D50745C1-A4FA-4CF7-A7A0-0308623EE1A5}</a:tableStyleId>
+                <a:tableStyleId>{92FCD406-63B0-4719-8C43-2216A3784EA9}</a:tableStyleId>
               </a:tblPr>
               <a:tblGrid>
                 <a:gridCol w="1130475"/>
@@ -15994,7 +15994,7 @@
         </p:spPr>
         <p:txBody>
           <a:bodyPr anchorCtr="0" anchor="t" bIns="91425" lIns="91425" spcFirstLastPara="1" rIns="91425" wrap="square" tIns="91425">
-            <a:normAutofit/>
+            <a:normAutofit fontScale="92500" lnSpcReduction="20000"/>
           </a:bodyPr>
           <a:lstStyle/>
           <a:p>
@@ -16014,14 +16014,14 @@
             <a:endParaRPr/>
           </a:p>
           <a:p>
-            <a:pPr indent="-311150" lvl="0" marL="457200" rtl="0" algn="l">
+            <a:pPr indent="-304958" lvl="0" marL="457200" rtl="0" algn="l">
               <a:spcBef>
                 <a:spcPts val="1200"/>
               </a:spcBef>
               <a:spcAft>
                 <a:spcPts val="0"/>
               </a:spcAft>
-              <a:buSzPts val="1300"/>
+              <a:buSzPct val="100000"/>
               <a:buChar char="-"/>
             </a:pPr>
             <a:r>
@@ -16031,14 +16031,14 @@
             <a:endParaRPr/>
           </a:p>
           <a:p>
-            <a:pPr indent="-311150" lvl="0" marL="457200" rtl="0" algn="l">
-              <a:spcBef>
-                <a:spcPts val="0"/>
-              </a:spcBef>
-              <a:spcAft>
-                <a:spcPts val="0"/>
-              </a:spcAft>
-              <a:buSzPts val="1300"/>
+            <a:pPr indent="-304958" lvl="0" marL="457200" rtl="0" algn="l">
+              <a:spcBef>
+                <a:spcPts val="0"/>
+              </a:spcBef>
+              <a:spcAft>
+                <a:spcPts val="0"/>
+              </a:spcAft>
+              <a:buSzPct val="100000"/>
               <a:buChar char="-"/>
             </a:pPr>
             <a:r>
@@ -16083,7 +16083,41 @@
             </a:pPr>
             <a:r>
               <a:rPr lang="en-GB"/>
-              <a:t>Forces</a:t>
+              <a:t>Forces:</a:t>
+            </a:r>
+            <a:endParaRPr/>
+          </a:p>
+          <a:p>
+            <a:pPr indent="-304958" lvl="0" marL="457200" rtl="0" algn="l">
+              <a:spcBef>
+                <a:spcPts val="1200"/>
+              </a:spcBef>
+              <a:spcAft>
+                <a:spcPts val="0"/>
+              </a:spcAft>
+              <a:buSzPct val="100000"/>
+              <a:buChar char="-"/>
+            </a:pPr>
+            <a:r>
+              <a:rPr lang="en-GB"/>
+              <a:t> Input: the user adds a number of force vectors to the diagram and sets their magnitude and direction.</a:t>
+            </a:r>
+            <a:endParaRPr/>
+          </a:p>
+          <a:p>
+            <a:pPr indent="-304958" lvl="0" marL="457200" rtl="0" algn="l">
+              <a:spcBef>
+                <a:spcPts val="0"/>
+              </a:spcBef>
+              <a:spcAft>
+                <a:spcPts val="0"/>
+              </a:spcAft>
+              <a:buSzPct val="100000"/>
+              <a:buChar char="-"/>
+            </a:pPr>
+            <a:r>
+              <a:rPr lang="en-GB"/>
+              <a:t>Output: the net force on the object is displayed as a vector along with a force distribution diagram</a:t>
             </a:r>
             <a:endParaRPr/>
           </a:p>
@@ -16099,7 +16133,45 @@
             </a:pPr>
             <a:r>
               <a:rPr lang="en-GB"/>
-              <a:t>Projectile motion / kinematics</a:t>
+              <a:t>Projectile motion / kinematics:</a:t>
+            </a:r>
+            <a:endParaRPr/>
+          </a:p>
+          <a:p>
+            <a:pPr indent="-304958" lvl="0" marL="457200" rtl="0" algn="l">
+              <a:spcBef>
+                <a:spcPts val="1200"/>
+              </a:spcBef>
+              <a:spcAft>
+                <a:spcPts val="0"/>
+              </a:spcAft>
+              <a:buSzPct val="100000"/>
+              <a:buChar char="-"/>
+            </a:pPr>
+            <a:r>
+              <a:rPr lang="en-GB"/>
+              <a:t>Input: the user chooses the mass, initial velocity, gravity, and angle of launch of the ball and presses play</a:t>
+            </a:r>
+            <a:endParaRPr/>
+          </a:p>
+          <a:p>
+            <a:pPr indent="-304958" lvl="0" marL="457200" rtl="0" algn="l">
+              <a:spcBef>
+                <a:spcPts val="0"/>
+              </a:spcBef>
+              <a:spcAft>
+                <a:spcPts val="0"/>
+              </a:spcAft>
+              <a:buSzPct val="100000"/>
+              <a:buChar char="-"/>
+            </a:pPr>
+            <a:r>
+              <a:rPr lang="en-GB"/>
+              <a:t>Output: the ball launches through the air and displays the balls tra</a:t>
+            </a:r>
+            <a:r>
+              <a:rPr lang="en-GB"/>
+              <a:t>jectory with calculations.</a:t>
             </a:r>
             <a:endParaRPr/>
           </a:p>
@@ -16120,14 +16192,14 @@
             <a:endParaRPr/>
           </a:p>
           <a:p>
-            <a:pPr indent="-311150" lvl="0" marL="457200" rtl="0" algn="l">
+            <a:pPr indent="-304958" lvl="0" marL="457200" rtl="0" algn="l">
               <a:spcBef>
                 <a:spcPts val="1200"/>
               </a:spcBef>
               <a:spcAft>
                 <a:spcPts val="0"/>
               </a:spcAft>
-              <a:buSzPts val="1300"/>
+              <a:buSzPct val="100000"/>
               <a:buChar char="-"/>
             </a:pPr>
             <a:r>
@@ -16149,14 +16221,14 @@
             <a:endParaRPr/>
           </a:p>
           <a:p>
-            <a:pPr indent="-311150" lvl="0" marL="457200" rtl="0" algn="l">
-              <a:spcBef>
-                <a:spcPts val="0"/>
-              </a:spcBef>
-              <a:spcAft>
-                <a:spcPts val="0"/>
-              </a:spcAft>
-              <a:buSzPts val="1300"/>
+            <a:pPr indent="-304958" lvl="0" marL="457200" rtl="0" algn="l">
+              <a:spcBef>
+                <a:spcPts val="0"/>
+              </a:spcBef>
+              <a:spcAft>
+                <a:spcPts val="0"/>
+              </a:spcAft>
+              <a:buSzPct val="100000"/>
               <a:buChar char="-"/>
             </a:pPr>
             <a:r>
